--- a/评审PPT/SE2019春-G11-软件总体设计(SDP+SSDD)PPT.pptx
+++ b/评审PPT/SE2019春-G11-软件总体设计(SDP+SSDD)PPT.pptx
@@ -4248,7 +4248,7 @@
           </a:ln>
           <a:extLst>
             <a:ext uri="{C572A759-6A51-4108-AA02-DFA0A04FC94B}">
-              <ma14:wrappingTextBoxFlag xmlns="" xmlns:ma14="http://schemas.microsoft.com/office/mac/drawingml/2011/main" val="1"/>
+              <ma14:wrappingTextBoxFlag xmlns:ma14="http://schemas.microsoft.com/office/mac/drawingml/2011/main" xmlns="" val="1"/>
             </a:ext>
           </a:extLst>
         </p:spPr>
@@ -4287,7 +4287,7 @@
           </a:ln>
           <a:extLst>
             <a:ext uri="{C572A759-6A51-4108-AA02-DFA0A04FC94B}">
-              <ma14:wrappingTextBoxFlag xmlns="" xmlns:ma14="http://schemas.microsoft.com/office/mac/drawingml/2011/main" val="1"/>
+              <ma14:wrappingTextBoxFlag xmlns:ma14="http://schemas.microsoft.com/office/mac/drawingml/2011/main" xmlns="" val="1"/>
             </a:ext>
           </a:extLst>
         </p:spPr>
@@ -5263,7 +5263,7 @@
           </a:ln>
           <a:extLst>
             <a:ext uri="{C572A759-6A51-4108-AA02-DFA0A04FC94B}">
-              <ma14:wrappingTextBoxFlag xmlns="" xmlns:ma14="http://schemas.microsoft.com/office/mac/drawingml/2011/main" val="1"/>
+              <ma14:wrappingTextBoxFlag xmlns:ma14="http://schemas.microsoft.com/office/mac/drawingml/2011/main" xmlns="" val="1"/>
             </a:ext>
           </a:extLst>
         </p:spPr>
@@ -5431,7 +5431,7 @@
           </a:ln>
           <a:extLst>
             <a:ext uri="{C572A759-6A51-4108-AA02-DFA0A04FC94B}">
-              <ma14:wrappingTextBoxFlag xmlns="" xmlns:ma14="http://schemas.microsoft.com/office/mac/drawingml/2011/main" val="1"/>
+              <ma14:wrappingTextBoxFlag xmlns:ma14="http://schemas.microsoft.com/office/mac/drawingml/2011/main" xmlns="" val="1"/>
             </a:ext>
           </a:extLst>
         </p:spPr>
@@ -5530,7 +5530,7 @@
           </a:ln>
           <a:extLst>
             <a:ext uri="{C572A759-6A51-4108-AA02-DFA0A04FC94B}">
-              <ma14:wrappingTextBoxFlag xmlns="" xmlns:ma14="http://schemas.microsoft.com/office/mac/drawingml/2011/main" val="1"/>
+              <ma14:wrappingTextBoxFlag xmlns:ma14="http://schemas.microsoft.com/office/mac/drawingml/2011/main" xmlns="" val="1"/>
             </a:ext>
           </a:extLst>
         </p:spPr>
@@ -5585,7 +5585,7 @@
           </a:ln>
           <a:extLst>
             <a:ext uri="{C572A759-6A51-4108-AA02-DFA0A04FC94B}">
-              <ma14:wrappingTextBoxFlag xmlns="" xmlns:ma14="http://schemas.microsoft.com/office/mac/drawingml/2011/main" val="1"/>
+              <ma14:wrappingTextBoxFlag xmlns:ma14="http://schemas.microsoft.com/office/mac/drawingml/2011/main" xmlns="" val="1"/>
             </a:ext>
           </a:extLst>
         </p:spPr>
@@ -5639,7 +5639,7 @@
           </a:ln>
           <a:extLst>
             <a:ext uri="{C572A759-6A51-4108-AA02-DFA0A04FC94B}">
-              <ma14:wrappingTextBoxFlag xmlns="" xmlns:ma14="http://schemas.microsoft.com/office/mac/drawingml/2011/main" val="1"/>
+              <ma14:wrappingTextBoxFlag xmlns:ma14="http://schemas.microsoft.com/office/mac/drawingml/2011/main" xmlns="" val="1"/>
             </a:ext>
           </a:extLst>
         </p:spPr>
@@ -6378,7 +6378,7 @@
           </a:ln>
           <a:extLst>
             <a:ext uri="{C572A759-6A51-4108-AA02-DFA0A04FC94B}">
-              <ma14:wrappingTextBoxFlag xmlns="" xmlns:ma14="http://schemas.microsoft.com/office/mac/drawingml/2011/main" val="1"/>
+              <ma14:wrappingTextBoxFlag xmlns:ma14="http://schemas.microsoft.com/office/mac/drawingml/2011/main" xmlns="" val="1"/>
             </a:ext>
           </a:extLst>
         </p:spPr>
@@ -7826,7 +7826,7 @@
           </a:ln>
           <a:extLst>
             <a:ext uri="{C572A759-6A51-4108-AA02-DFA0A04FC94B}">
-              <ma14:wrappingTextBoxFlag xmlns="" xmlns:ma14="http://schemas.microsoft.com/office/mac/drawingml/2011/main" val="1"/>
+              <ma14:wrappingTextBoxFlag xmlns:ma14="http://schemas.microsoft.com/office/mac/drawingml/2011/main" xmlns="" val="1"/>
             </a:ext>
           </a:extLst>
         </p:spPr>
@@ -8759,7 +8759,7 @@
           </a:ln>
           <a:extLst>
             <a:ext uri="{C572A759-6A51-4108-AA02-DFA0A04FC94B}">
-              <ma14:wrappingTextBoxFlag xmlns="" xmlns:ma14="http://schemas.microsoft.com/office/mac/drawingml/2011/main" val="1"/>
+              <ma14:wrappingTextBoxFlag xmlns:ma14="http://schemas.microsoft.com/office/mac/drawingml/2011/main" xmlns="" val="1"/>
             </a:ext>
           </a:extLst>
         </p:spPr>
@@ -8808,7 +8808,7 @@
           </a:ln>
           <a:extLst>
             <a:ext uri="{C572A759-6A51-4108-AA02-DFA0A04FC94B}">
-              <ma14:wrappingTextBoxFlag xmlns="" xmlns:ma14="http://schemas.microsoft.com/office/mac/drawingml/2011/main" val="1"/>
+              <ma14:wrappingTextBoxFlag xmlns:ma14="http://schemas.microsoft.com/office/mac/drawingml/2011/main" xmlns="" val="1"/>
             </a:ext>
           </a:extLst>
         </p:spPr>
@@ -9338,7 +9338,7 @@
           </a:ln>
           <a:extLst>
             <a:ext uri="{C572A759-6A51-4108-AA02-DFA0A04FC94B}">
-              <ma14:wrappingTextBoxFlag xmlns="" xmlns:ma14="http://schemas.microsoft.com/office/mac/drawingml/2011/main" val="1"/>
+              <ma14:wrappingTextBoxFlag xmlns:ma14="http://schemas.microsoft.com/office/mac/drawingml/2011/main" xmlns="" val="1"/>
             </a:ext>
           </a:extLst>
         </p:spPr>
@@ -9462,7 +9462,7 @@
           <a:graphicData uri="http://schemas.openxmlformats.org/presentationml/2006/ole">
             <mc:AlternateContent xmlns:mc="http://schemas.openxmlformats.org/markup-compatibility/2006">
               <mc:Choice xmlns:v="urn:schemas-microsoft-com:vml" Requires="v">
-                <p:oleObj spid="_x0000_s16402" r:id="rId4" imgW="6648514" imgH="2190886" progId="Visio.Drawing.15">
+                <p:oleObj spid="_x0000_s16403" r:id="rId4" imgW="6648514" imgH="2190886" progId="Visio.Drawing.15">
                   <p:embed/>
                 </p:oleObj>
               </mc:Choice>
@@ -9930,7 +9930,7 @@
           </a:ln>
           <a:extLst>
             <a:ext uri="{C572A759-6A51-4108-AA02-DFA0A04FC94B}">
-              <ma14:wrappingTextBoxFlag xmlns="" xmlns:ma14="http://schemas.microsoft.com/office/mac/drawingml/2011/main" val="1"/>
+              <ma14:wrappingTextBoxFlag xmlns:ma14="http://schemas.microsoft.com/office/mac/drawingml/2011/main" xmlns="" val="1"/>
             </a:ext>
           </a:extLst>
         </p:spPr>
@@ -10035,7 +10035,7 @@
           <p:nvPr>
             <p:extLst>
               <p:ext uri="{D42A27DB-BD31-4B8C-83A1-F6EECF244321}">
-                <p14:modId xmlns:p14="http://schemas.microsoft.com/office/powerpoint/2010/main" val="347001572"/>
+                <p14:modId xmlns:p14="http://schemas.microsoft.com/office/powerpoint/2010/main" val="3821077879"/>
               </p:ext>
             </p:extLst>
           </p:nvPr>
@@ -10048,12 +10048,12 @@
           <a:graphicData uri="http://schemas.openxmlformats.org/presentationml/2006/ole">
             <mc:AlternateContent xmlns:mc="http://schemas.openxmlformats.org/markup-compatibility/2006">
               <mc:Choice xmlns:v="urn:schemas-microsoft-com:vml" Requires="v">
-                <p:oleObj spid="_x0000_s18450" name="Visio" r:id="rId4" imgW="8200853" imgH="3429000" progId="Visio.Drawing.15">
+                <p:oleObj spid="_x0000_s18451" name="Visio" r:id="rId4" imgW="8200892" imgH="3428822" progId="Visio.Drawing.15">
                   <p:link updateAutomatic="1"/>
                 </p:oleObj>
               </mc:Choice>
               <mc:Fallback>
-                <p:oleObj name="Visio" r:id="rId4" imgW="8200853" imgH="3429000" progId="Visio.Drawing.15">
+                <p:oleObj name="Visio" r:id="rId4" imgW="8200892" imgH="3428822" progId="Visio.Drawing.15">
                   <p:link updateAutomatic="1"/>
                   <p:pic>
                     <p:nvPicPr>
@@ -10400,7 +10400,7 @@
           </a:ln>
           <a:extLst>
             <a:ext uri="{C572A759-6A51-4108-AA02-DFA0A04FC94B}">
-              <ma14:wrappingTextBoxFlag xmlns="" xmlns:ma14="http://schemas.microsoft.com/office/mac/drawingml/2011/main" val="1"/>
+              <ma14:wrappingTextBoxFlag xmlns:ma14="http://schemas.microsoft.com/office/mac/drawingml/2011/main" xmlns="" val="1"/>
             </a:ext>
           </a:extLst>
         </p:spPr>
@@ -10991,7 +10991,7 @@
           </a:ln>
           <a:extLst>
             <a:ext uri="{C572A759-6A51-4108-AA02-DFA0A04FC94B}">
-              <ma14:wrappingTextBoxFlag xmlns="" xmlns:ma14="http://schemas.microsoft.com/office/mac/drawingml/2011/main" val="1"/>
+              <ma14:wrappingTextBoxFlag xmlns:ma14="http://schemas.microsoft.com/office/mac/drawingml/2011/main" xmlns="" val="1"/>
             </a:ext>
           </a:extLst>
         </p:spPr>
@@ -11480,7 +11480,7 @@
           </a:ln>
           <a:extLst>
             <a:ext uri="{C572A759-6A51-4108-AA02-DFA0A04FC94B}">
-              <ma14:wrappingTextBoxFlag xmlns="" xmlns:ma14="http://schemas.microsoft.com/office/mac/drawingml/2011/main" val="1"/>
+              <ma14:wrappingTextBoxFlag xmlns:ma14="http://schemas.microsoft.com/office/mac/drawingml/2011/main" xmlns="" val="1"/>
             </a:ext>
           </a:extLst>
         </p:spPr>
@@ -12201,7 +12201,7 @@
           </a:ln>
           <a:extLst>
             <a:ext uri="{C572A759-6A51-4108-AA02-DFA0A04FC94B}">
-              <ma14:wrappingTextBoxFlag xmlns="" xmlns:ma14="http://schemas.microsoft.com/office/mac/drawingml/2011/main" val="1"/>
+              <ma14:wrappingTextBoxFlag xmlns:ma14="http://schemas.microsoft.com/office/mac/drawingml/2011/main" xmlns="" val="1"/>
             </a:ext>
           </a:extLst>
         </p:spPr>
@@ -12343,7 +12343,7 @@
           </a:ln>
           <a:extLst>
             <a:ext uri="{C572A759-6A51-4108-AA02-DFA0A04FC94B}">
-              <ma14:wrappingTextBoxFlag xmlns="" xmlns:ma14="http://schemas.microsoft.com/office/mac/drawingml/2011/main" val="1"/>
+              <ma14:wrappingTextBoxFlag xmlns:ma14="http://schemas.microsoft.com/office/mac/drawingml/2011/main" xmlns="" val="1"/>
             </a:ext>
           </a:extLst>
         </p:spPr>
@@ -12679,7 +12679,7 @@
         <p15:prstTrans prst="pageCurlDouble"/>
       </p:transition>
     </mc:Choice>
-    <mc:Choice xmlns="" xmlns:p14="http://schemas.microsoft.com/office/powerpoint/2010/main" Requires="p14">
+    <mc:Choice xmlns:p14="http://schemas.microsoft.com/office/powerpoint/2010/main" xmlns="" Requires="p14">
       <p:transition spd="slow" advClick="0" advTm="9000" p14:dur="1200">
         <p14:prism dir="l"/>
       </p:transition>
@@ -13360,7 +13360,7 @@
           </a:ln>
           <a:extLst>
             <a:ext uri="{C572A759-6A51-4108-AA02-DFA0A04FC94B}">
-              <ma14:wrappingTextBoxFlag xmlns="" xmlns:ma14="http://schemas.microsoft.com/office/mac/drawingml/2011/main" val="1"/>
+              <ma14:wrappingTextBoxFlag xmlns:ma14="http://schemas.microsoft.com/office/mac/drawingml/2011/main" xmlns="" val="1"/>
             </a:ext>
           </a:extLst>
         </p:spPr>
@@ -13409,7 +13409,7 @@
           </a:ln>
           <a:extLst>
             <a:ext uri="{C572A759-6A51-4108-AA02-DFA0A04FC94B}">
-              <ma14:wrappingTextBoxFlag xmlns="" xmlns:ma14="http://schemas.microsoft.com/office/mac/drawingml/2011/main" val="1"/>
+              <ma14:wrappingTextBoxFlag xmlns:ma14="http://schemas.microsoft.com/office/mac/drawingml/2011/main" xmlns="" val="1"/>
             </a:ext>
           </a:extLst>
         </p:spPr>
@@ -13956,7 +13956,7 @@
           </a:ln>
           <a:extLst>
             <a:ext uri="{C572A759-6A51-4108-AA02-DFA0A04FC94B}">
-              <ma14:wrappingTextBoxFlag xmlns="" xmlns:ma14="http://schemas.microsoft.com/office/mac/drawingml/2011/main" val="1"/>
+              <ma14:wrappingTextBoxFlag xmlns:ma14="http://schemas.microsoft.com/office/mac/drawingml/2011/main" xmlns="" val="1"/>
             </a:ext>
           </a:extLst>
         </p:spPr>
@@ -14005,7 +14005,7 @@
           </a:ln>
           <a:extLst>
             <a:ext uri="{C572A759-6A51-4108-AA02-DFA0A04FC94B}">
-              <ma14:wrappingTextBoxFlag xmlns="" xmlns:ma14="http://schemas.microsoft.com/office/mac/drawingml/2011/main" val="1"/>
+              <ma14:wrappingTextBoxFlag xmlns:ma14="http://schemas.microsoft.com/office/mac/drawingml/2011/main" xmlns="" val="1"/>
             </a:ext>
           </a:extLst>
         </p:spPr>
@@ -14084,7 +14084,7 @@
           </a:ln>
           <a:extLst>
             <a:ext uri="{C572A759-6A51-4108-AA02-DFA0A04FC94B}">
-              <ma14:wrappingTextBoxFlag xmlns="" xmlns:ma14="http://schemas.microsoft.com/office/mac/drawingml/2011/main" val="1"/>
+              <ma14:wrappingTextBoxFlag xmlns:ma14="http://schemas.microsoft.com/office/mac/drawingml/2011/main" xmlns="" val="1"/>
             </a:ext>
           </a:extLst>
         </p:spPr>
@@ -14133,7 +14133,7 @@
           </a:ln>
           <a:extLst>
             <a:ext uri="{C572A759-6A51-4108-AA02-DFA0A04FC94B}">
-              <ma14:wrappingTextBoxFlag xmlns="" xmlns:ma14="http://schemas.microsoft.com/office/mac/drawingml/2011/main" val="1"/>
+              <ma14:wrappingTextBoxFlag xmlns:ma14="http://schemas.microsoft.com/office/mac/drawingml/2011/main" xmlns="" val="1"/>
             </a:ext>
           </a:extLst>
         </p:spPr>
@@ -14181,7 +14181,7 @@
           </a:ln>
           <a:extLst>
             <a:ext uri="{C572A759-6A51-4108-AA02-DFA0A04FC94B}">
-              <ma14:wrappingTextBoxFlag xmlns="" xmlns:ma14="http://schemas.microsoft.com/office/mac/drawingml/2011/main" val="1"/>
+              <ma14:wrappingTextBoxFlag xmlns:ma14="http://schemas.microsoft.com/office/mac/drawingml/2011/main" xmlns="" val="1"/>
             </a:ext>
           </a:extLst>
         </p:spPr>
@@ -14229,7 +14229,7 @@
           </a:ln>
           <a:extLst>
             <a:ext uri="{C572A759-6A51-4108-AA02-DFA0A04FC94B}">
-              <ma14:wrappingTextBoxFlag xmlns="" xmlns:ma14="http://schemas.microsoft.com/office/mac/drawingml/2011/main" val="1"/>
+              <ma14:wrappingTextBoxFlag xmlns:ma14="http://schemas.microsoft.com/office/mac/drawingml/2011/main" xmlns="" val="1"/>
             </a:ext>
           </a:extLst>
         </p:spPr>
@@ -14278,7 +14278,7 @@
           </a:ln>
           <a:extLst>
             <a:ext uri="{C572A759-6A51-4108-AA02-DFA0A04FC94B}">
-              <ma14:wrappingTextBoxFlag xmlns="" xmlns:ma14="http://schemas.microsoft.com/office/mac/drawingml/2011/main" val="1"/>
+              <ma14:wrappingTextBoxFlag xmlns:ma14="http://schemas.microsoft.com/office/mac/drawingml/2011/main" xmlns="" val="1"/>
             </a:ext>
           </a:extLst>
         </p:spPr>
@@ -14369,7 +14369,7 @@
           </a:ln>
           <a:extLst>
             <a:ext uri="{C572A759-6A51-4108-AA02-DFA0A04FC94B}">
-              <ma14:wrappingTextBoxFlag xmlns="" xmlns:ma14="http://schemas.microsoft.com/office/mac/drawingml/2011/main" val="1"/>
+              <ma14:wrappingTextBoxFlag xmlns:ma14="http://schemas.microsoft.com/office/mac/drawingml/2011/main" xmlns="" val="1"/>
             </a:ext>
           </a:extLst>
         </p:spPr>
@@ -14458,7 +14458,7 @@
           </a:ln>
           <a:extLst>
             <a:ext uri="{C572A759-6A51-4108-AA02-DFA0A04FC94B}">
-              <ma14:wrappingTextBoxFlag xmlns="" xmlns:ma14="http://schemas.microsoft.com/office/mac/drawingml/2011/main" val="1"/>
+              <ma14:wrappingTextBoxFlag xmlns:ma14="http://schemas.microsoft.com/office/mac/drawingml/2011/main" xmlns="" val="1"/>
             </a:ext>
           </a:extLst>
         </p:spPr>
@@ -14513,7 +14513,7 @@
           </a:ln>
           <a:extLst>
             <a:ext uri="{C572A759-6A51-4108-AA02-DFA0A04FC94B}">
-              <ma14:wrappingTextBoxFlag xmlns="" xmlns:ma14="http://schemas.microsoft.com/office/mac/drawingml/2011/main" val="1"/>
+              <ma14:wrappingTextBoxFlag xmlns:ma14="http://schemas.microsoft.com/office/mac/drawingml/2011/main" xmlns="" val="1"/>
             </a:ext>
           </a:extLst>
         </p:spPr>
@@ -14567,7 +14567,7 @@
           </a:ln>
           <a:extLst>
             <a:ext uri="{C572A759-6A51-4108-AA02-DFA0A04FC94B}">
-              <ma14:wrappingTextBoxFlag xmlns="" xmlns:ma14="http://schemas.microsoft.com/office/mac/drawingml/2011/main" val="1"/>
+              <ma14:wrappingTextBoxFlag xmlns:ma14="http://schemas.microsoft.com/office/mac/drawingml/2011/main" xmlns="" val="1"/>
             </a:ext>
           </a:extLst>
         </p:spPr>
@@ -15736,7 +15736,7 @@
           </a:ln>
           <a:extLst>
             <a:ext uri="{C572A759-6A51-4108-AA02-DFA0A04FC94B}">
-              <ma14:wrappingTextBoxFlag xmlns="" xmlns:ma14="http://schemas.microsoft.com/office/mac/drawingml/2011/main" val="1"/>
+              <ma14:wrappingTextBoxFlag xmlns:ma14="http://schemas.microsoft.com/office/mac/drawingml/2011/main" xmlns="" val="1"/>
             </a:ext>
           </a:extLst>
         </p:spPr>
@@ -16601,7 +16601,7 @@
           </a:ln>
           <a:extLst>
             <a:ext uri="{C572A759-6A51-4108-AA02-DFA0A04FC94B}">
-              <ma14:wrappingTextBoxFlag xmlns="" xmlns:ma14="http://schemas.microsoft.com/office/mac/drawingml/2011/main" val="1"/>
+              <ma14:wrappingTextBoxFlag xmlns:ma14="http://schemas.microsoft.com/office/mac/drawingml/2011/main" xmlns="" val="1"/>
             </a:ext>
           </a:extLst>
         </p:spPr>
@@ -16650,7 +16650,7 @@
           </a:ln>
           <a:extLst>
             <a:ext uri="{C572A759-6A51-4108-AA02-DFA0A04FC94B}">
-              <ma14:wrappingTextBoxFlag xmlns="" xmlns:ma14="http://schemas.microsoft.com/office/mac/drawingml/2011/main" val="1"/>
+              <ma14:wrappingTextBoxFlag xmlns:ma14="http://schemas.microsoft.com/office/mac/drawingml/2011/main" xmlns="" val="1"/>
             </a:ext>
           </a:extLst>
         </p:spPr>
@@ -17240,7 +17240,7 @@
           </a:ln>
           <a:extLst>
             <a:ext uri="{C572A759-6A51-4108-AA02-DFA0A04FC94B}">
-              <ma14:wrappingTextBoxFlag xmlns="" xmlns:ma14="http://schemas.microsoft.com/office/mac/drawingml/2011/main" val="1"/>
+              <ma14:wrappingTextBoxFlag xmlns:ma14="http://schemas.microsoft.com/office/mac/drawingml/2011/main" xmlns="" val="1"/>
             </a:ext>
           </a:extLst>
         </p:spPr>
@@ -17291,7 +17291,7 @@
           </a:ln>
           <a:extLst>
             <a:ext uri="{C572A759-6A51-4108-AA02-DFA0A04FC94B}">
-              <ma14:wrappingTextBoxFlag xmlns="" xmlns:ma14="http://schemas.microsoft.com/office/mac/drawingml/2011/main" val="1"/>
+              <ma14:wrappingTextBoxFlag xmlns:ma14="http://schemas.microsoft.com/office/mac/drawingml/2011/main" xmlns="" val="1"/>
             </a:ext>
           </a:extLst>
         </p:spPr>
@@ -17992,7 +17992,7 @@
           </a:ln>
           <a:extLst>
             <a:ext uri="{C572A759-6A51-4108-AA02-DFA0A04FC94B}">
-              <ma14:wrappingTextBoxFlag xmlns="" xmlns:ma14="http://schemas.microsoft.com/office/mac/drawingml/2011/main" val="1"/>
+              <ma14:wrappingTextBoxFlag xmlns:ma14="http://schemas.microsoft.com/office/mac/drawingml/2011/main" xmlns="" val="1"/>
             </a:ext>
           </a:extLst>
         </p:spPr>
@@ -18041,7 +18041,7 @@
           </a:ln>
           <a:extLst>
             <a:ext uri="{C572A759-6A51-4108-AA02-DFA0A04FC94B}">
-              <ma14:wrappingTextBoxFlag xmlns="" xmlns:ma14="http://schemas.microsoft.com/office/mac/drawingml/2011/main" val="1"/>
+              <ma14:wrappingTextBoxFlag xmlns:ma14="http://schemas.microsoft.com/office/mac/drawingml/2011/main" xmlns="" val="1"/>
             </a:ext>
           </a:extLst>
         </p:spPr>
@@ -18938,7 +18938,7 @@
           </a:ln>
           <a:extLst>
             <a:ext uri="{C572A759-6A51-4108-AA02-DFA0A04FC94B}">
-              <ma14:wrappingTextBoxFlag xmlns="" xmlns:ma14="http://schemas.microsoft.com/office/mac/drawingml/2011/main" val="1"/>
+              <ma14:wrappingTextBoxFlag xmlns:ma14="http://schemas.microsoft.com/office/mac/drawingml/2011/main" xmlns="" val="1"/>
             </a:ext>
           </a:extLst>
         </p:spPr>
@@ -18987,7 +18987,7 @@
           </a:ln>
           <a:extLst>
             <a:ext uri="{C572A759-6A51-4108-AA02-DFA0A04FC94B}">
-              <ma14:wrappingTextBoxFlag xmlns="" xmlns:ma14="http://schemas.microsoft.com/office/mac/drawingml/2011/main" val="1"/>
+              <ma14:wrappingTextBoxFlag xmlns:ma14="http://schemas.microsoft.com/office/mac/drawingml/2011/main" xmlns="" val="1"/>
             </a:ext>
           </a:extLst>
         </p:spPr>
@@ -19762,7 +19762,7 @@
           </a:ln>
           <a:extLst>
             <a:ext uri="{C572A759-6A51-4108-AA02-DFA0A04FC94B}">
-              <ma14:wrappingTextBoxFlag xmlns="" xmlns:ma14="http://schemas.microsoft.com/office/mac/drawingml/2011/main" val="1"/>
+              <ma14:wrappingTextBoxFlag xmlns:ma14="http://schemas.microsoft.com/office/mac/drawingml/2011/main" xmlns="" val="1"/>
             </a:ext>
           </a:extLst>
         </p:spPr>
@@ -19811,7 +19811,7 @@
           </a:ln>
           <a:extLst>
             <a:ext uri="{C572A759-6A51-4108-AA02-DFA0A04FC94B}">
-              <ma14:wrappingTextBoxFlag xmlns="" xmlns:ma14="http://schemas.microsoft.com/office/mac/drawingml/2011/main" val="1"/>
+              <ma14:wrappingTextBoxFlag xmlns:ma14="http://schemas.microsoft.com/office/mac/drawingml/2011/main" xmlns="" val="1"/>
             </a:ext>
           </a:extLst>
         </p:spPr>
@@ -20305,7 +20305,7 @@
           <p:nvPr>
             <p:extLst>
               <p:ext uri="{D42A27DB-BD31-4B8C-83A1-F6EECF244321}">
-                <p14:modId xmlns:p14="http://schemas.microsoft.com/office/powerpoint/2010/main" val="4060893394"/>
+                <p14:modId xmlns:p14="http://schemas.microsoft.com/office/powerpoint/2010/main" val="1452581352"/>
               </p:ext>
             </p:extLst>
           </p:nvPr>
@@ -20318,12 +20318,12 @@
           <a:graphicData uri="http://schemas.openxmlformats.org/presentationml/2006/ole">
             <mc:AlternateContent xmlns:mc="http://schemas.openxmlformats.org/markup-compatibility/2006">
               <mc:Choice xmlns:v="urn:schemas-microsoft-com:vml" Requires="v">
-                <p:oleObj spid="_x0000_s19464" name="工作表" r:id="rId4" imgW="7286657" imgH="3266939" progId="Excel.Sheet.12">
+                <p:oleObj spid="_x0000_s19465" name="工作表" r:id="rId4" imgW="7286492" imgH="3267322" progId="Excel.Sheet.12">
                   <p:link updateAutomatic="1"/>
                 </p:oleObj>
               </mc:Choice>
               <mc:Fallback>
-                <p:oleObj name="工作表" r:id="rId4" imgW="7286657" imgH="3266939" progId="Excel.Sheet.12">
+                <p:oleObj name="工作表" r:id="rId4" imgW="7286492" imgH="3267322" progId="Excel.Sheet.12">
                   <p:link updateAutomatic="1"/>
                   <p:pic>
                     <p:nvPicPr>
@@ -20525,7 +20525,7 @@
           </a:ln>
           <a:extLst>
             <a:ext uri="{C572A759-6A51-4108-AA02-DFA0A04FC94B}">
-              <ma14:wrappingTextBoxFlag xmlns="" xmlns:ma14="http://schemas.microsoft.com/office/mac/drawingml/2011/main" val="1"/>
+              <ma14:wrappingTextBoxFlag xmlns:ma14="http://schemas.microsoft.com/office/mac/drawingml/2011/main" xmlns="" val="1"/>
             </a:ext>
           </a:extLst>
         </p:spPr>
@@ -20693,7 +20693,7 @@
           </a:ln>
           <a:extLst>
             <a:ext uri="{C572A759-6A51-4108-AA02-DFA0A04FC94B}">
-              <ma14:wrappingTextBoxFlag xmlns="" xmlns:ma14="http://schemas.microsoft.com/office/mac/drawingml/2011/main" val="1"/>
+              <ma14:wrappingTextBoxFlag xmlns:ma14="http://schemas.microsoft.com/office/mac/drawingml/2011/main" xmlns="" val="1"/>
             </a:ext>
           </a:extLst>
         </p:spPr>
@@ -20752,7 +20752,7 @@
           </a:ln>
           <a:extLst>
             <a:ext uri="{C572A759-6A51-4108-AA02-DFA0A04FC94B}">
-              <ma14:wrappingTextBoxFlag xmlns="" xmlns:ma14="http://schemas.microsoft.com/office/mac/drawingml/2011/main" val="1"/>
+              <ma14:wrappingTextBoxFlag xmlns:ma14="http://schemas.microsoft.com/office/mac/drawingml/2011/main" xmlns="" val="1"/>
             </a:ext>
           </a:extLst>
         </p:spPr>
@@ -20827,7 +20827,7 @@
         <p15:prstTrans prst="pageCurlDouble"/>
       </p:transition>
     </mc:Choice>
-    <mc:Choice xmlns="" xmlns:p14="http://schemas.microsoft.com/office/powerpoint/2010/main" Requires="p14">
+    <mc:Choice xmlns:p14="http://schemas.microsoft.com/office/powerpoint/2010/main" xmlns="" Requires="p14">
       <p:transition spd="slow" advClick="1" p14:dur="1200">
         <p14:prism dir="d"/>
       </p:transition>
@@ -21614,7 +21614,7 @@
           </a:ln>
           <a:extLst>
             <a:ext uri="{C572A759-6A51-4108-AA02-DFA0A04FC94B}">
-              <ma14:wrappingTextBoxFlag xmlns="" xmlns:ma14="http://schemas.microsoft.com/office/mac/drawingml/2011/main" val="1"/>
+              <ma14:wrappingTextBoxFlag xmlns:ma14="http://schemas.microsoft.com/office/mac/drawingml/2011/main" xmlns="" val="1"/>
             </a:ext>
           </a:extLst>
         </p:spPr>
@@ -21697,7 +21697,7 @@
           </a:ln>
           <a:extLst>
             <a:ext uri="{C572A759-6A51-4108-AA02-DFA0A04FC94B}">
-              <ma14:wrappingTextBoxFlag xmlns="" xmlns:ma14="http://schemas.microsoft.com/office/mac/drawingml/2011/main" val="1"/>
+              <ma14:wrappingTextBoxFlag xmlns:ma14="http://schemas.microsoft.com/office/mac/drawingml/2011/main" xmlns="" val="1"/>
             </a:ext>
           </a:extLst>
         </p:spPr>
@@ -22399,7 +22399,7 @@
           </a:ln>
           <a:extLst>
             <a:ext uri="{C572A759-6A51-4108-AA02-DFA0A04FC94B}">
-              <ma14:wrappingTextBoxFlag xmlns="" xmlns:ma14="http://schemas.microsoft.com/office/mac/drawingml/2011/main" val="1"/>
+              <ma14:wrappingTextBoxFlag xmlns:ma14="http://schemas.microsoft.com/office/mac/drawingml/2011/main" xmlns="" val="1"/>
             </a:ext>
           </a:extLst>
         </p:spPr>
@@ -22557,7 +22557,7 @@
           </a:ln>
           <a:extLst>
             <a:ext uri="{C572A759-6A51-4108-AA02-DFA0A04FC94B}">
-              <ma14:wrappingTextBoxFlag xmlns="" xmlns:ma14="http://schemas.microsoft.com/office/mac/drawingml/2011/main" val="1"/>
+              <ma14:wrappingTextBoxFlag xmlns:ma14="http://schemas.microsoft.com/office/mac/drawingml/2011/main" xmlns="" val="1"/>
             </a:ext>
           </a:extLst>
         </p:spPr>
@@ -23284,7 +23284,7 @@
           </a:ln>
           <a:extLst>
             <a:ext uri="{C572A759-6A51-4108-AA02-DFA0A04FC94B}">
-              <ma14:wrappingTextBoxFlag xmlns="" xmlns:ma14="http://schemas.microsoft.com/office/mac/drawingml/2011/main" val="1"/>
+              <ma14:wrappingTextBoxFlag xmlns:ma14="http://schemas.microsoft.com/office/mac/drawingml/2011/main" xmlns="" val="1"/>
             </a:ext>
           </a:extLst>
         </p:spPr>
@@ -23492,7 +23492,7 @@
           </a:ln>
           <a:extLst>
             <a:ext uri="{C572A759-6A51-4108-AA02-DFA0A04FC94B}">
-              <ma14:wrappingTextBoxFlag xmlns="" xmlns:ma14="http://schemas.microsoft.com/office/mac/drawingml/2011/main" val="1"/>
+              <ma14:wrappingTextBoxFlag xmlns:ma14="http://schemas.microsoft.com/office/mac/drawingml/2011/main" xmlns="" val="1"/>
             </a:ext>
           </a:extLst>
         </p:spPr>
@@ -24193,7 +24193,7 @@
           </a:ln>
           <a:extLst>
             <a:ext uri="{C572A759-6A51-4108-AA02-DFA0A04FC94B}">
-              <ma14:wrappingTextBoxFlag xmlns="" xmlns:ma14="http://schemas.microsoft.com/office/mac/drawingml/2011/main" val="1"/>
+              <ma14:wrappingTextBoxFlag xmlns:ma14="http://schemas.microsoft.com/office/mac/drawingml/2011/main" xmlns="" val="1"/>
             </a:ext>
           </a:extLst>
         </p:spPr>
@@ -24241,7 +24241,7 @@
           </a:ln>
           <a:extLst>
             <a:ext uri="{C572A759-6A51-4108-AA02-DFA0A04FC94B}">
-              <ma14:wrappingTextBoxFlag xmlns="" xmlns:ma14="http://schemas.microsoft.com/office/mac/drawingml/2011/main" val="1"/>
+              <ma14:wrappingTextBoxFlag xmlns:ma14="http://schemas.microsoft.com/office/mac/drawingml/2011/main" xmlns="" val="1"/>
             </a:ext>
           </a:extLst>
         </p:spPr>
@@ -24814,7 +24814,7 @@
           </a:ln>
           <a:extLst>
             <a:ext uri="{C572A759-6A51-4108-AA02-DFA0A04FC94B}">
-              <ma14:wrappingTextBoxFlag xmlns="" xmlns:ma14="http://schemas.microsoft.com/office/mac/drawingml/2011/main" val="1"/>
+              <ma14:wrappingTextBoxFlag xmlns:ma14="http://schemas.microsoft.com/office/mac/drawingml/2011/main" xmlns="" val="1"/>
             </a:ext>
           </a:extLst>
         </p:spPr>
@@ -24904,7 +24904,7 @@
           </a:ln>
           <a:extLst>
             <a:ext uri="{C572A759-6A51-4108-AA02-DFA0A04FC94B}">
-              <ma14:wrappingTextBoxFlag xmlns="" xmlns:ma14="http://schemas.microsoft.com/office/mac/drawingml/2011/main" val="1"/>
+              <ma14:wrappingTextBoxFlag xmlns:ma14="http://schemas.microsoft.com/office/mac/drawingml/2011/main" xmlns="" val="1"/>
             </a:ext>
           </a:extLst>
         </p:spPr>
@@ -25849,7 +25849,7 @@
         <p15:prstTrans prst="pageCurlDouble"/>
       </p:transition>
     </mc:Choice>
-    <mc:Choice xmlns="" xmlns:p14="http://schemas.microsoft.com/office/powerpoint/2010/main" Requires="p14">
+    <mc:Choice xmlns:p14="http://schemas.microsoft.com/office/powerpoint/2010/main" xmlns="" Requires="p14">
       <p:transition spd="slow" advClick="0" advTm="4000" p14:dur="1200">
         <p14:prism dir="l"/>
       </p:transition>
@@ -26581,7 +26581,7 @@
           </a:ln>
           <a:extLst>
             <a:ext uri="{C572A759-6A51-4108-AA02-DFA0A04FC94B}">
-              <ma14:wrappingTextBoxFlag xmlns="" xmlns:ma14="http://schemas.microsoft.com/office/mac/drawingml/2011/main" val="1"/>
+              <ma14:wrappingTextBoxFlag xmlns:ma14="http://schemas.microsoft.com/office/mac/drawingml/2011/main" xmlns="" val="1"/>
             </a:ext>
           </a:extLst>
         </p:spPr>
@@ -26771,7 +26771,7 @@
           </a:ln>
           <a:extLst>
             <a:ext uri="{C572A759-6A51-4108-AA02-DFA0A04FC94B}">
-              <ma14:wrappingTextBoxFlag xmlns="" xmlns:ma14="http://schemas.microsoft.com/office/mac/drawingml/2011/main" val="1"/>
+              <ma14:wrappingTextBoxFlag xmlns:ma14="http://schemas.microsoft.com/office/mac/drawingml/2011/main" xmlns="" val="1"/>
             </a:ext>
           </a:extLst>
         </p:spPr>
@@ -28057,7 +28057,7 @@
           </a:ln>
           <a:extLst>
             <a:ext uri="{C572A759-6A51-4108-AA02-DFA0A04FC94B}">
-              <ma14:wrappingTextBoxFlag xmlns="" xmlns:ma14="http://schemas.microsoft.com/office/mac/drawingml/2011/main" val="1"/>
+              <ma14:wrappingTextBoxFlag xmlns:ma14="http://schemas.microsoft.com/office/mac/drawingml/2011/main" xmlns="" val="1"/>
             </a:ext>
           </a:extLst>
         </p:spPr>

--- a/评审PPT/SE2019春-G11-软件总体设计(SDP+SSDD)PPT.pptx
+++ b/评审PPT/SE2019春-G11-软件总体设计(SDP+SSDD)PPT.pptx
@@ -4248,7 +4248,7 @@
           </a:ln>
           <a:extLst>
             <a:ext uri="{C572A759-6A51-4108-AA02-DFA0A04FC94B}">
-              <ma14:wrappingTextBoxFlag xmlns:ma14="http://schemas.microsoft.com/office/mac/drawingml/2011/main" xmlns="" val="1"/>
+              <ma14:wrappingTextBoxFlag xmlns="" xmlns:ma14="http://schemas.microsoft.com/office/mac/drawingml/2011/main" val="1"/>
             </a:ext>
           </a:extLst>
         </p:spPr>
@@ -4287,7 +4287,7 @@
           </a:ln>
           <a:extLst>
             <a:ext uri="{C572A759-6A51-4108-AA02-DFA0A04FC94B}">
-              <ma14:wrappingTextBoxFlag xmlns:ma14="http://schemas.microsoft.com/office/mac/drawingml/2011/main" xmlns="" val="1"/>
+              <ma14:wrappingTextBoxFlag xmlns="" xmlns:ma14="http://schemas.microsoft.com/office/mac/drawingml/2011/main" val="1"/>
             </a:ext>
           </a:extLst>
         </p:spPr>
@@ -5263,7 +5263,7 @@
           </a:ln>
           <a:extLst>
             <a:ext uri="{C572A759-6A51-4108-AA02-DFA0A04FC94B}">
-              <ma14:wrappingTextBoxFlag xmlns:ma14="http://schemas.microsoft.com/office/mac/drawingml/2011/main" xmlns="" val="1"/>
+              <ma14:wrappingTextBoxFlag xmlns="" xmlns:ma14="http://schemas.microsoft.com/office/mac/drawingml/2011/main" val="1"/>
             </a:ext>
           </a:extLst>
         </p:spPr>
@@ -5431,7 +5431,7 @@
           </a:ln>
           <a:extLst>
             <a:ext uri="{C572A759-6A51-4108-AA02-DFA0A04FC94B}">
-              <ma14:wrappingTextBoxFlag xmlns:ma14="http://schemas.microsoft.com/office/mac/drawingml/2011/main" xmlns="" val="1"/>
+              <ma14:wrappingTextBoxFlag xmlns="" xmlns:ma14="http://schemas.microsoft.com/office/mac/drawingml/2011/main" val="1"/>
             </a:ext>
           </a:extLst>
         </p:spPr>
@@ -5530,7 +5530,7 @@
           </a:ln>
           <a:extLst>
             <a:ext uri="{C572A759-6A51-4108-AA02-DFA0A04FC94B}">
-              <ma14:wrappingTextBoxFlag xmlns:ma14="http://schemas.microsoft.com/office/mac/drawingml/2011/main" xmlns="" val="1"/>
+              <ma14:wrappingTextBoxFlag xmlns="" xmlns:ma14="http://schemas.microsoft.com/office/mac/drawingml/2011/main" val="1"/>
             </a:ext>
           </a:extLst>
         </p:spPr>
@@ -5585,7 +5585,7 @@
           </a:ln>
           <a:extLst>
             <a:ext uri="{C572A759-6A51-4108-AA02-DFA0A04FC94B}">
-              <ma14:wrappingTextBoxFlag xmlns:ma14="http://schemas.microsoft.com/office/mac/drawingml/2011/main" xmlns="" val="1"/>
+              <ma14:wrappingTextBoxFlag xmlns="" xmlns:ma14="http://schemas.microsoft.com/office/mac/drawingml/2011/main" val="1"/>
             </a:ext>
           </a:extLst>
         </p:spPr>
@@ -5639,7 +5639,7 @@
           </a:ln>
           <a:extLst>
             <a:ext uri="{C572A759-6A51-4108-AA02-DFA0A04FC94B}">
-              <ma14:wrappingTextBoxFlag xmlns:ma14="http://schemas.microsoft.com/office/mac/drawingml/2011/main" xmlns="" val="1"/>
+              <ma14:wrappingTextBoxFlag xmlns="" xmlns:ma14="http://schemas.microsoft.com/office/mac/drawingml/2011/main" val="1"/>
             </a:ext>
           </a:extLst>
         </p:spPr>
@@ -6378,7 +6378,7 @@
           </a:ln>
           <a:extLst>
             <a:ext uri="{C572A759-6A51-4108-AA02-DFA0A04FC94B}">
-              <ma14:wrappingTextBoxFlag xmlns:ma14="http://schemas.microsoft.com/office/mac/drawingml/2011/main" xmlns="" val="1"/>
+              <ma14:wrappingTextBoxFlag xmlns="" xmlns:ma14="http://schemas.microsoft.com/office/mac/drawingml/2011/main" val="1"/>
             </a:ext>
           </a:extLst>
         </p:spPr>
@@ -7826,7 +7826,7 @@
           </a:ln>
           <a:extLst>
             <a:ext uri="{C572A759-6A51-4108-AA02-DFA0A04FC94B}">
-              <ma14:wrappingTextBoxFlag xmlns:ma14="http://schemas.microsoft.com/office/mac/drawingml/2011/main" xmlns="" val="1"/>
+              <ma14:wrappingTextBoxFlag xmlns="" xmlns:ma14="http://schemas.microsoft.com/office/mac/drawingml/2011/main" val="1"/>
             </a:ext>
           </a:extLst>
         </p:spPr>
@@ -8759,7 +8759,7 @@
           </a:ln>
           <a:extLst>
             <a:ext uri="{C572A759-6A51-4108-AA02-DFA0A04FC94B}">
-              <ma14:wrappingTextBoxFlag xmlns:ma14="http://schemas.microsoft.com/office/mac/drawingml/2011/main" xmlns="" val="1"/>
+              <ma14:wrappingTextBoxFlag xmlns="" xmlns:ma14="http://schemas.microsoft.com/office/mac/drawingml/2011/main" val="1"/>
             </a:ext>
           </a:extLst>
         </p:spPr>
@@ -8808,7 +8808,7 @@
           </a:ln>
           <a:extLst>
             <a:ext uri="{C572A759-6A51-4108-AA02-DFA0A04FC94B}">
-              <ma14:wrappingTextBoxFlag xmlns:ma14="http://schemas.microsoft.com/office/mac/drawingml/2011/main" xmlns="" val="1"/>
+              <ma14:wrappingTextBoxFlag xmlns="" xmlns:ma14="http://schemas.microsoft.com/office/mac/drawingml/2011/main" val="1"/>
             </a:ext>
           </a:extLst>
         </p:spPr>
@@ -9338,7 +9338,7 @@
           </a:ln>
           <a:extLst>
             <a:ext uri="{C572A759-6A51-4108-AA02-DFA0A04FC94B}">
-              <ma14:wrappingTextBoxFlag xmlns:ma14="http://schemas.microsoft.com/office/mac/drawingml/2011/main" xmlns="" val="1"/>
+              <ma14:wrappingTextBoxFlag xmlns="" xmlns:ma14="http://schemas.microsoft.com/office/mac/drawingml/2011/main" val="1"/>
             </a:ext>
           </a:extLst>
         </p:spPr>
@@ -9462,7 +9462,7 @@
           <a:graphicData uri="http://schemas.openxmlformats.org/presentationml/2006/ole">
             <mc:AlternateContent xmlns:mc="http://schemas.openxmlformats.org/markup-compatibility/2006">
               <mc:Choice xmlns:v="urn:schemas-microsoft-com:vml" Requires="v">
-                <p:oleObj spid="_x0000_s16403" r:id="rId4" imgW="6648514" imgH="2190886" progId="Visio.Drawing.15">
+                <p:oleObj spid="_x0000_s16404" r:id="rId4" imgW="6648514" imgH="2190886" progId="Visio.Drawing.15">
                   <p:embed/>
                 </p:oleObj>
               </mc:Choice>
@@ -9930,7 +9930,7 @@
           </a:ln>
           <a:extLst>
             <a:ext uri="{C572A759-6A51-4108-AA02-DFA0A04FC94B}">
-              <ma14:wrappingTextBoxFlag xmlns:ma14="http://schemas.microsoft.com/office/mac/drawingml/2011/main" xmlns="" val="1"/>
+              <ma14:wrappingTextBoxFlag xmlns="" xmlns:ma14="http://schemas.microsoft.com/office/mac/drawingml/2011/main" val="1"/>
             </a:ext>
           </a:extLst>
         </p:spPr>
@@ -10035,7 +10035,7 @@
           <p:nvPr>
             <p:extLst>
               <p:ext uri="{D42A27DB-BD31-4B8C-83A1-F6EECF244321}">
-                <p14:modId xmlns:p14="http://schemas.microsoft.com/office/powerpoint/2010/main" val="3821077879"/>
+                <p14:modId xmlns:p14="http://schemas.microsoft.com/office/powerpoint/2010/main" val="3677161654"/>
               </p:ext>
             </p:extLst>
           </p:nvPr>
@@ -10048,7 +10048,7 @@
           <a:graphicData uri="http://schemas.openxmlformats.org/presentationml/2006/ole">
             <mc:AlternateContent xmlns:mc="http://schemas.openxmlformats.org/markup-compatibility/2006">
               <mc:Choice xmlns:v="urn:schemas-microsoft-com:vml" Requires="v">
-                <p:oleObj spid="_x0000_s18451" name="Visio" r:id="rId4" imgW="8200892" imgH="3428822" progId="Visio.Drawing.15">
+                <p:oleObj spid="_x0000_s18452" name="Visio" r:id="rId4" imgW="8200892" imgH="3428822" progId="Visio.Drawing.15">
                   <p:link updateAutomatic="1"/>
                 </p:oleObj>
               </mc:Choice>
@@ -10400,7 +10400,7 @@
           </a:ln>
           <a:extLst>
             <a:ext uri="{C572A759-6A51-4108-AA02-DFA0A04FC94B}">
-              <ma14:wrappingTextBoxFlag xmlns:ma14="http://schemas.microsoft.com/office/mac/drawingml/2011/main" xmlns="" val="1"/>
+              <ma14:wrappingTextBoxFlag xmlns="" xmlns:ma14="http://schemas.microsoft.com/office/mac/drawingml/2011/main" val="1"/>
             </a:ext>
           </a:extLst>
         </p:spPr>
@@ -10991,7 +10991,7 @@
           </a:ln>
           <a:extLst>
             <a:ext uri="{C572A759-6A51-4108-AA02-DFA0A04FC94B}">
-              <ma14:wrappingTextBoxFlag xmlns:ma14="http://schemas.microsoft.com/office/mac/drawingml/2011/main" xmlns="" val="1"/>
+              <ma14:wrappingTextBoxFlag xmlns="" xmlns:ma14="http://schemas.microsoft.com/office/mac/drawingml/2011/main" val="1"/>
             </a:ext>
           </a:extLst>
         </p:spPr>
@@ -11082,7 +11082,7 @@
           <p:nvPr/>
         </p:nvPicPr>
         <p:blipFill>
-          <a:blip r:embed="rId2" cstate="print">
+          <a:blip r:embed="rId3" cstate="print">
             <a:extLst>
               <a:ext uri="{28A0092B-C50C-407E-A947-70E740481C1C}">
                 <a14:useLocalDpi xmlns:a14="http://schemas.microsoft.com/office/drawing/2010/main" val="0"/>
@@ -11103,66 +11103,63 @@
           </a:prstGeom>
         </p:spPr>
       </p:pic>
-      <p:pic>
-        <p:nvPicPr>
-          <p:cNvPr id="20482" name="Picture 2">
-            <a:extLst>
-              <a:ext uri="{FF2B5EF4-FFF2-40B4-BE49-F238E27FC236}">
-                <a16:creationId xmlns:a16="http://schemas.microsoft.com/office/drawing/2014/main" id="{2A6D4BF6-7B6E-47BA-BDE9-1A0B9D7A04BC}"/>
-              </a:ext>
-            </a:extLst>
-          </p:cNvPr>
-          <p:cNvPicPr>
-            <a:picLocks noChangeAspect="1" noChangeArrowheads="1"/>
-          </p:cNvPicPr>
-          <p:nvPr/>
-        </p:nvPicPr>
-        <p:blipFill>
-          <a:blip r:embed="rId3">
-            <a:extLst>
-              <a:ext uri="{28A0092B-C50C-407E-A947-70E740481C1C}">
-                <a14:useLocalDpi xmlns:a14="http://schemas.microsoft.com/office/drawing/2010/main" val="0"/>
-              </a:ext>
-            </a:extLst>
-          </a:blip>
-          <a:srcRect r="59064" b="67094"/>
-          <a:stretch>
-            <a:fillRect/>
-          </a:stretch>
-        </p:blipFill>
-        <p:spPr bwMode="auto">
-          <a:xfrm>
-            <a:off x="3173714" y="1768345"/>
-            <a:ext cx="5844572" cy="3321309"/>
-          </a:xfrm>
-          <a:prstGeom prst="rect">
-            <a:avLst/>
-          </a:prstGeom>
-          <a:noFill/>
-          <a:ln>
-            <a:noFill/>
-          </a:ln>
-          <a:extLst>
-            <a:ext uri="{909E8E84-426E-40DD-AFC4-6F175D3DCCD1}">
-              <a14:hiddenFill xmlns:a14="http://schemas.microsoft.com/office/drawing/2010/main">
-                <a:solidFill>
-                  <a:srgbClr val="FFFFFF"/>
-                </a:solidFill>
-              </a14:hiddenFill>
-            </a:ext>
-            <a:ext uri="{91240B29-F687-4F45-9708-019B960494DF}">
-              <a14:hiddenLine xmlns:a14="http://schemas.microsoft.com/office/drawing/2010/main" w="9525">
-                <a:solidFill>
-                  <a:srgbClr val="000000"/>
-                </a:solidFill>
-                <a:miter lim="800000"/>
-                <a:headEnd/>
-                <a:tailEnd/>
-              </a14:hiddenLine>
-            </a:ext>
-          </a:extLst>
-        </p:spPr>
-      </p:pic>
+      <p:graphicFrame>
+        <p:nvGraphicFramePr>
+          <p:cNvPr id="5" name="对象 4"/>
+          <p:cNvGraphicFramePr>
+            <a:graphicFrameLocks noChangeAspect="1"/>
+          </p:cNvGraphicFramePr>
+          <p:nvPr>
+            <p:extLst>
+              <p:ext uri="{D42A27DB-BD31-4B8C-83A1-F6EECF244321}">
+                <p14:modId xmlns:p14="http://schemas.microsoft.com/office/powerpoint/2010/main" val="465037567"/>
+              </p:ext>
+            </p:extLst>
+          </p:nvPr>
+        </p:nvGraphicFramePr>
+        <p:xfrm>
+          <a:off x="1496568" y="1611186"/>
+          <a:ext cx="8686800" cy="4705350"/>
+        </p:xfrm>
+        <a:graphic>
+          <a:graphicData uri="http://schemas.openxmlformats.org/presentationml/2006/ole">
+            <mc:AlternateContent xmlns:mc="http://schemas.openxmlformats.org/markup-compatibility/2006">
+              <mc:Choice xmlns:v="urn:schemas-microsoft-com:vml" Requires="v">
+                <p:oleObj spid="_x0000_s20482" name="Visio" r:id="rId4" imgW="8686800" imgH="4705370" progId="Visio.Drawing.15">
+                  <p:link updateAutomatic="1"/>
+                </p:oleObj>
+              </mc:Choice>
+              <mc:Fallback>
+                <p:oleObj name="Visio" r:id="rId4" imgW="8686800" imgH="4705370" progId="Visio.Drawing.15">
+                  <p:link updateAutomatic="1"/>
+                  <p:pic>
+                    <p:nvPicPr>
+                      <p:cNvPr id="0" name=""/>
+                      <p:cNvPicPr/>
+                      <p:nvPr/>
+                    </p:nvPicPr>
+                    <p:blipFill>
+                      <a:blip r:embed="rId5"/>
+                      <a:stretch>
+                        <a:fillRect/>
+                      </a:stretch>
+                    </p:blipFill>
+                    <p:spPr>
+                      <a:xfrm>
+                        <a:off x="1496568" y="1611186"/>
+                        <a:ext cx="8686800" cy="4705350"/>
+                      </a:xfrm>
+                      <a:prstGeom prst="rect">
+                        <a:avLst/>
+                      </a:prstGeom>
+                    </p:spPr>
+                  </p:pic>
+                </p:oleObj>
+              </mc:Fallback>
+            </mc:AlternateContent>
+          </a:graphicData>
+        </a:graphic>
+      </p:graphicFrame>
     </p:spTree>
     <p:extLst>
       <p:ext uri="{BB962C8B-B14F-4D97-AF65-F5344CB8AC3E}">
@@ -11480,7 +11477,7 @@
           </a:ln>
           <a:extLst>
             <a:ext uri="{C572A759-6A51-4108-AA02-DFA0A04FC94B}">
-              <ma14:wrappingTextBoxFlag xmlns:ma14="http://schemas.microsoft.com/office/mac/drawingml/2011/main" xmlns="" val="1"/>
+              <ma14:wrappingTextBoxFlag xmlns="" xmlns:ma14="http://schemas.microsoft.com/office/mac/drawingml/2011/main" val="1"/>
             </a:ext>
           </a:extLst>
         </p:spPr>
@@ -12201,7 +12198,7 @@
           </a:ln>
           <a:extLst>
             <a:ext uri="{C572A759-6A51-4108-AA02-DFA0A04FC94B}">
-              <ma14:wrappingTextBoxFlag xmlns:ma14="http://schemas.microsoft.com/office/mac/drawingml/2011/main" xmlns="" val="1"/>
+              <ma14:wrappingTextBoxFlag xmlns="" xmlns:ma14="http://schemas.microsoft.com/office/mac/drawingml/2011/main" val="1"/>
             </a:ext>
           </a:extLst>
         </p:spPr>
@@ -12343,7 +12340,7 @@
           </a:ln>
           <a:extLst>
             <a:ext uri="{C572A759-6A51-4108-AA02-DFA0A04FC94B}">
-              <ma14:wrappingTextBoxFlag xmlns:ma14="http://schemas.microsoft.com/office/mac/drawingml/2011/main" xmlns="" val="1"/>
+              <ma14:wrappingTextBoxFlag xmlns="" xmlns:ma14="http://schemas.microsoft.com/office/mac/drawingml/2011/main" val="1"/>
             </a:ext>
           </a:extLst>
         </p:spPr>
@@ -12679,7 +12676,7 @@
         <p15:prstTrans prst="pageCurlDouble"/>
       </p:transition>
     </mc:Choice>
-    <mc:Choice xmlns:p14="http://schemas.microsoft.com/office/powerpoint/2010/main" xmlns="" Requires="p14">
+    <mc:Choice xmlns="" xmlns:p14="http://schemas.microsoft.com/office/powerpoint/2010/main" Requires="p14">
       <p:transition spd="slow" advClick="0" advTm="9000" p14:dur="1200">
         <p14:prism dir="l"/>
       </p:transition>
@@ -13360,7 +13357,7 @@
           </a:ln>
           <a:extLst>
             <a:ext uri="{C572A759-6A51-4108-AA02-DFA0A04FC94B}">
-              <ma14:wrappingTextBoxFlag xmlns:ma14="http://schemas.microsoft.com/office/mac/drawingml/2011/main" xmlns="" val="1"/>
+              <ma14:wrappingTextBoxFlag xmlns="" xmlns:ma14="http://schemas.microsoft.com/office/mac/drawingml/2011/main" val="1"/>
             </a:ext>
           </a:extLst>
         </p:spPr>
@@ -13409,7 +13406,7 @@
           </a:ln>
           <a:extLst>
             <a:ext uri="{C572A759-6A51-4108-AA02-DFA0A04FC94B}">
-              <ma14:wrappingTextBoxFlag xmlns:ma14="http://schemas.microsoft.com/office/mac/drawingml/2011/main" xmlns="" val="1"/>
+              <ma14:wrappingTextBoxFlag xmlns="" xmlns:ma14="http://schemas.microsoft.com/office/mac/drawingml/2011/main" val="1"/>
             </a:ext>
           </a:extLst>
         </p:spPr>
@@ -13956,7 +13953,7 @@
           </a:ln>
           <a:extLst>
             <a:ext uri="{C572A759-6A51-4108-AA02-DFA0A04FC94B}">
-              <ma14:wrappingTextBoxFlag xmlns:ma14="http://schemas.microsoft.com/office/mac/drawingml/2011/main" xmlns="" val="1"/>
+              <ma14:wrappingTextBoxFlag xmlns="" xmlns:ma14="http://schemas.microsoft.com/office/mac/drawingml/2011/main" val="1"/>
             </a:ext>
           </a:extLst>
         </p:spPr>
@@ -14005,7 +14002,7 @@
           </a:ln>
           <a:extLst>
             <a:ext uri="{C572A759-6A51-4108-AA02-DFA0A04FC94B}">
-              <ma14:wrappingTextBoxFlag xmlns:ma14="http://schemas.microsoft.com/office/mac/drawingml/2011/main" xmlns="" val="1"/>
+              <ma14:wrappingTextBoxFlag xmlns="" xmlns:ma14="http://schemas.microsoft.com/office/mac/drawingml/2011/main" val="1"/>
             </a:ext>
           </a:extLst>
         </p:spPr>
@@ -14084,7 +14081,7 @@
           </a:ln>
           <a:extLst>
             <a:ext uri="{C572A759-6A51-4108-AA02-DFA0A04FC94B}">
-              <ma14:wrappingTextBoxFlag xmlns:ma14="http://schemas.microsoft.com/office/mac/drawingml/2011/main" xmlns="" val="1"/>
+              <ma14:wrappingTextBoxFlag xmlns="" xmlns:ma14="http://schemas.microsoft.com/office/mac/drawingml/2011/main" val="1"/>
             </a:ext>
           </a:extLst>
         </p:spPr>
@@ -14133,7 +14130,7 @@
           </a:ln>
           <a:extLst>
             <a:ext uri="{C572A759-6A51-4108-AA02-DFA0A04FC94B}">
-              <ma14:wrappingTextBoxFlag xmlns:ma14="http://schemas.microsoft.com/office/mac/drawingml/2011/main" xmlns="" val="1"/>
+              <ma14:wrappingTextBoxFlag xmlns="" xmlns:ma14="http://schemas.microsoft.com/office/mac/drawingml/2011/main" val="1"/>
             </a:ext>
           </a:extLst>
         </p:spPr>
@@ -14181,7 +14178,7 @@
           </a:ln>
           <a:extLst>
             <a:ext uri="{C572A759-6A51-4108-AA02-DFA0A04FC94B}">
-              <ma14:wrappingTextBoxFlag xmlns:ma14="http://schemas.microsoft.com/office/mac/drawingml/2011/main" xmlns="" val="1"/>
+              <ma14:wrappingTextBoxFlag xmlns="" xmlns:ma14="http://schemas.microsoft.com/office/mac/drawingml/2011/main" val="1"/>
             </a:ext>
           </a:extLst>
         </p:spPr>
@@ -14229,7 +14226,7 @@
           </a:ln>
           <a:extLst>
             <a:ext uri="{C572A759-6A51-4108-AA02-DFA0A04FC94B}">
-              <ma14:wrappingTextBoxFlag xmlns:ma14="http://schemas.microsoft.com/office/mac/drawingml/2011/main" xmlns="" val="1"/>
+              <ma14:wrappingTextBoxFlag xmlns="" xmlns:ma14="http://schemas.microsoft.com/office/mac/drawingml/2011/main" val="1"/>
             </a:ext>
           </a:extLst>
         </p:spPr>
@@ -14278,7 +14275,7 @@
           </a:ln>
           <a:extLst>
             <a:ext uri="{C572A759-6A51-4108-AA02-DFA0A04FC94B}">
-              <ma14:wrappingTextBoxFlag xmlns:ma14="http://schemas.microsoft.com/office/mac/drawingml/2011/main" xmlns="" val="1"/>
+              <ma14:wrappingTextBoxFlag xmlns="" xmlns:ma14="http://schemas.microsoft.com/office/mac/drawingml/2011/main" val="1"/>
             </a:ext>
           </a:extLst>
         </p:spPr>
@@ -14369,7 +14366,7 @@
           </a:ln>
           <a:extLst>
             <a:ext uri="{C572A759-6A51-4108-AA02-DFA0A04FC94B}">
-              <ma14:wrappingTextBoxFlag xmlns:ma14="http://schemas.microsoft.com/office/mac/drawingml/2011/main" xmlns="" val="1"/>
+              <ma14:wrappingTextBoxFlag xmlns="" xmlns:ma14="http://schemas.microsoft.com/office/mac/drawingml/2011/main" val="1"/>
             </a:ext>
           </a:extLst>
         </p:spPr>
@@ -14458,7 +14455,7 @@
           </a:ln>
           <a:extLst>
             <a:ext uri="{C572A759-6A51-4108-AA02-DFA0A04FC94B}">
-              <ma14:wrappingTextBoxFlag xmlns:ma14="http://schemas.microsoft.com/office/mac/drawingml/2011/main" xmlns="" val="1"/>
+              <ma14:wrappingTextBoxFlag xmlns="" xmlns:ma14="http://schemas.microsoft.com/office/mac/drawingml/2011/main" val="1"/>
             </a:ext>
           </a:extLst>
         </p:spPr>
@@ -14513,7 +14510,7 @@
           </a:ln>
           <a:extLst>
             <a:ext uri="{C572A759-6A51-4108-AA02-DFA0A04FC94B}">
-              <ma14:wrappingTextBoxFlag xmlns:ma14="http://schemas.microsoft.com/office/mac/drawingml/2011/main" xmlns="" val="1"/>
+              <ma14:wrappingTextBoxFlag xmlns="" xmlns:ma14="http://schemas.microsoft.com/office/mac/drawingml/2011/main" val="1"/>
             </a:ext>
           </a:extLst>
         </p:spPr>
@@ -14567,7 +14564,7 @@
           </a:ln>
           <a:extLst>
             <a:ext uri="{C572A759-6A51-4108-AA02-DFA0A04FC94B}">
-              <ma14:wrappingTextBoxFlag xmlns:ma14="http://schemas.microsoft.com/office/mac/drawingml/2011/main" xmlns="" val="1"/>
+              <ma14:wrappingTextBoxFlag xmlns="" xmlns:ma14="http://schemas.microsoft.com/office/mac/drawingml/2011/main" val="1"/>
             </a:ext>
           </a:extLst>
         </p:spPr>
@@ -15736,7 +15733,7 @@
           </a:ln>
           <a:extLst>
             <a:ext uri="{C572A759-6A51-4108-AA02-DFA0A04FC94B}">
-              <ma14:wrappingTextBoxFlag xmlns:ma14="http://schemas.microsoft.com/office/mac/drawingml/2011/main" xmlns="" val="1"/>
+              <ma14:wrappingTextBoxFlag xmlns="" xmlns:ma14="http://schemas.microsoft.com/office/mac/drawingml/2011/main" val="1"/>
             </a:ext>
           </a:extLst>
         </p:spPr>
@@ -16601,7 +16598,7 @@
           </a:ln>
           <a:extLst>
             <a:ext uri="{C572A759-6A51-4108-AA02-DFA0A04FC94B}">
-              <ma14:wrappingTextBoxFlag xmlns:ma14="http://schemas.microsoft.com/office/mac/drawingml/2011/main" xmlns="" val="1"/>
+              <ma14:wrappingTextBoxFlag xmlns="" xmlns:ma14="http://schemas.microsoft.com/office/mac/drawingml/2011/main" val="1"/>
             </a:ext>
           </a:extLst>
         </p:spPr>
@@ -16650,7 +16647,7 @@
           </a:ln>
           <a:extLst>
             <a:ext uri="{C572A759-6A51-4108-AA02-DFA0A04FC94B}">
-              <ma14:wrappingTextBoxFlag xmlns:ma14="http://schemas.microsoft.com/office/mac/drawingml/2011/main" xmlns="" val="1"/>
+              <ma14:wrappingTextBoxFlag xmlns="" xmlns:ma14="http://schemas.microsoft.com/office/mac/drawingml/2011/main" val="1"/>
             </a:ext>
           </a:extLst>
         </p:spPr>
@@ -17240,7 +17237,7 @@
           </a:ln>
           <a:extLst>
             <a:ext uri="{C572A759-6A51-4108-AA02-DFA0A04FC94B}">
-              <ma14:wrappingTextBoxFlag xmlns:ma14="http://schemas.microsoft.com/office/mac/drawingml/2011/main" xmlns="" val="1"/>
+              <ma14:wrappingTextBoxFlag xmlns="" xmlns:ma14="http://schemas.microsoft.com/office/mac/drawingml/2011/main" val="1"/>
             </a:ext>
           </a:extLst>
         </p:spPr>
@@ -17291,7 +17288,7 @@
           </a:ln>
           <a:extLst>
             <a:ext uri="{C572A759-6A51-4108-AA02-DFA0A04FC94B}">
-              <ma14:wrappingTextBoxFlag xmlns:ma14="http://schemas.microsoft.com/office/mac/drawingml/2011/main" xmlns="" val="1"/>
+              <ma14:wrappingTextBoxFlag xmlns="" xmlns:ma14="http://schemas.microsoft.com/office/mac/drawingml/2011/main" val="1"/>
             </a:ext>
           </a:extLst>
         </p:spPr>
@@ -17992,7 +17989,7 @@
           </a:ln>
           <a:extLst>
             <a:ext uri="{C572A759-6A51-4108-AA02-DFA0A04FC94B}">
-              <ma14:wrappingTextBoxFlag xmlns:ma14="http://schemas.microsoft.com/office/mac/drawingml/2011/main" xmlns="" val="1"/>
+              <ma14:wrappingTextBoxFlag xmlns="" xmlns:ma14="http://schemas.microsoft.com/office/mac/drawingml/2011/main" val="1"/>
             </a:ext>
           </a:extLst>
         </p:spPr>
@@ -18041,7 +18038,7 @@
           </a:ln>
           <a:extLst>
             <a:ext uri="{C572A759-6A51-4108-AA02-DFA0A04FC94B}">
-              <ma14:wrappingTextBoxFlag xmlns:ma14="http://schemas.microsoft.com/office/mac/drawingml/2011/main" xmlns="" val="1"/>
+              <ma14:wrappingTextBoxFlag xmlns="" xmlns:ma14="http://schemas.microsoft.com/office/mac/drawingml/2011/main" val="1"/>
             </a:ext>
           </a:extLst>
         </p:spPr>
@@ -18938,7 +18935,7 @@
           </a:ln>
           <a:extLst>
             <a:ext uri="{C572A759-6A51-4108-AA02-DFA0A04FC94B}">
-              <ma14:wrappingTextBoxFlag xmlns:ma14="http://schemas.microsoft.com/office/mac/drawingml/2011/main" xmlns="" val="1"/>
+              <ma14:wrappingTextBoxFlag xmlns="" xmlns:ma14="http://schemas.microsoft.com/office/mac/drawingml/2011/main" val="1"/>
             </a:ext>
           </a:extLst>
         </p:spPr>
@@ -18987,7 +18984,7 @@
           </a:ln>
           <a:extLst>
             <a:ext uri="{C572A759-6A51-4108-AA02-DFA0A04FC94B}">
-              <ma14:wrappingTextBoxFlag xmlns:ma14="http://schemas.microsoft.com/office/mac/drawingml/2011/main" xmlns="" val="1"/>
+              <ma14:wrappingTextBoxFlag xmlns="" xmlns:ma14="http://schemas.microsoft.com/office/mac/drawingml/2011/main" val="1"/>
             </a:ext>
           </a:extLst>
         </p:spPr>
@@ -19762,7 +19759,7 @@
           </a:ln>
           <a:extLst>
             <a:ext uri="{C572A759-6A51-4108-AA02-DFA0A04FC94B}">
-              <ma14:wrappingTextBoxFlag xmlns:ma14="http://schemas.microsoft.com/office/mac/drawingml/2011/main" xmlns="" val="1"/>
+              <ma14:wrappingTextBoxFlag xmlns="" xmlns:ma14="http://schemas.microsoft.com/office/mac/drawingml/2011/main" val="1"/>
             </a:ext>
           </a:extLst>
         </p:spPr>
@@ -19811,7 +19808,7 @@
           </a:ln>
           <a:extLst>
             <a:ext uri="{C572A759-6A51-4108-AA02-DFA0A04FC94B}">
-              <ma14:wrappingTextBoxFlag xmlns:ma14="http://schemas.microsoft.com/office/mac/drawingml/2011/main" xmlns="" val="1"/>
+              <ma14:wrappingTextBoxFlag xmlns="" xmlns:ma14="http://schemas.microsoft.com/office/mac/drawingml/2011/main" val="1"/>
             </a:ext>
           </a:extLst>
         </p:spPr>
@@ -20305,7 +20302,7 @@
           <p:nvPr>
             <p:extLst>
               <p:ext uri="{D42A27DB-BD31-4B8C-83A1-F6EECF244321}">
-                <p14:modId xmlns:p14="http://schemas.microsoft.com/office/powerpoint/2010/main" val="1452581352"/>
+                <p14:modId xmlns:p14="http://schemas.microsoft.com/office/powerpoint/2010/main" val="3875360773"/>
               </p:ext>
             </p:extLst>
           </p:nvPr>
@@ -20318,7 +20315,7 @@
           <a:graphicData uri="http://schemas.openxmlformats.org/presentationml/2006/ole">
             <mc:AlternateContent xmlns:mc="http://schemas.openxmlformats.org/markup-compatibility/2006">
               <mc:Choice xmlns:v="urn:schemas-microsoft-com:vml" Requires="v">
-                <p:oleObj spid="_x0000_s19465" name="工作表" r:id="rId4" imgW="7286492" imgH="3267322" progId="Excel.Sheet.12">
+                <p:oleObj spid="_x0000_s19466" name="工作表" r:id="rId4" imgW="7286492" imgH="3267322" progId="Excel.Sheet.12">
                   <p:link updateAutomatic="1"/>
                 </p:oleObj>
               </mc:Choice>
@@ -20525,7 +20522,7 @@
           </a:ln>
           <a:extLst>
             <a:ext uri="{C572A759-6A51-4108-AA02-DFA0A04FC94B}">
-              <ma14:wrappingTextBoxFlag xmlns:ma14="http://schemas.microsoft.com/office/mac/drawingml/2011/main" xmlns="" val="1"/>
+              <ma14:wrappingTextBoxFlag xmlns="" xmlns:ma14="http://schemas.microsoft.com/office/mac/drawingml/2011/main" val="1"/>
             </a:ext>
           </a:extLst>
         </p:spPr>
@@ -20693,7 +20690,7 @@
           </a:ln>
           <a:extLst>
             <a:ext uri="{C572A759-6A51-4108-AA02-DFA0A04FC94B}">
-              <ma14:wrappingTextBoxFlag xmlns:ma14="http://schemas.microsoft.com/office/mac/drawingml/2011/main" xmlns="" val="1"/>
+              <ma14:wrappingTextBoxFlag xmlns="" xmlns:ma14="http://schemas.microsoft.com/office/mac/drawingml/2011/main" val="1"/>
             </a:ext>
           </a:extLst>
         </p:spPr>
@@ -20752,7 +20749,7 @@
           </a:ln>
           <a:extLst>
             <a:ext uri="{C572A759-6A51-4108-AA02-DFA0A04FC94B}">
-              <ma14:wrappingTextBoxFlag xmlns:ma14="http://schemas.microsoft.com/office/mac/drawingml/2011/main" xmlns="" val="1"/>
+              <ma14:wrappingTextBoxFlag xmlns="" xmlns:ma14="http://schemas.microsoft.com/office/mac/drawingml/2011/main" val="1"/>
             </a:ext>
           </a:extLst>
         </p:spPr>
@@ -20827,7 +20824,7 @@
         <p15:prstTrans prst="pageCurlDouble"/>
       </p:transition>
     </mc:Choice>
-    <mc:Choice xmlns:p14="http://schemas.microsoft.com/office/powerpoint/2010/main" xmlns="" Requires="p14">
+    <mc:Choice xmlns="" xmlns:p14="http://schemas.microsoft.com/office/powerpoint/2010/main" Requires="p14">
       <p:transition spd="slow" advClick="1" p14:dur="1200">
         <p14:prism dir="d"/>
       </p:transition>
@@ -21614,7 +21611,7 @@
           </a:ln>
           <a:extLst>
             <a:ext uri="{C572A759-6A51-4108-AA02-DFA0A04FC94B}">
-              <ma14:wrappingTextBoxFlag xmlns:ma14="http://schemas.microsoft.com/office/mac/drawingml/2011/main" xmlns="" val="1"/>
+              <ma14:wrappingTextBoxFlag xmlns="" xmlns:ma14="http://schemas.microsoft.com/office/mac/drawingml/2011/main" val="1"/>
             </a:ext>
           </a:extLst>
         </p:spPr>
@@ -21697,7 +21694,7 @@
           </a:ln>
           <a:extLst>
             <a:ext uri="{C572A759-6A51-4108-AA02-DFA0A04FC94B}">
-              <ma14:wrappingTextBoxFlag xmlns:ma14="http://schemas.microsoft.com/office/mac/drawingml/2011/main" xmlns="" val="1"/>
+              <ma14:wrappingTextBoxFlag xmlns="" xmlns:ma14="http://schemas.microsoft.com/office/mac/drawingml/2011/main" val="1"/>
             </a:ext>
           </a:extLst>
         </p:spPr>
@@ -22399,7 +22396,7 @@
           </a:ln>
           <a:extLst>
             <a:ext uri="{C572A759-6A51-4108-AA02-DFA0A04FC94B}">
-              <ma14:wrappingTextBoxFlag xmlns:ma14="http://schemas.microsoft.com/office/mac/drawingml/2011/main" xmlns="" val="1"/>
+              <ma14:wrappingTextBoxFlag xmlns="" xmlns:ma14="http://schemas.microsoft.com/office/mac/drawingml/2011/main" val="1"/>
             </a:ext>
           </a:extLst>
         </p:spPr>
@@ -22557,7 +22554,7 @@
           </a:ln>
           <a:extLst>
             <a:ext uri="{C572A759-6A51-4108-AA02-DFA0A04FC94B}">
-              <ma14:wrappingTextBoxFlag xmlns:ma14="http://schemas.microsoft.com/office/mac/drawingml/2011/main" xmlns="" val="1"/>
+              <ma14:wrappingTextBoxFlag xmlns="" xmlns:ma14="http://schemas.microsoft.com/office/mac/drawingml/2011/main" val="1"/>
             </a:ext>
           </a:extLst>
         </p:spPr>
@@ -23284,7 +23281,7 @@
           </a:ln>
           <a:extLst>
             <a:ext uri="{C572A759-6A51-4108-AA02-DFA0A04FC94B}">
-              <ma14:wrappingTextBoxFlag xmlns:ma14="http://schemas.microsoft.com/office/mac/drawingml/2011/main" xmlns="" val="1"/>
+              <ma14:wrappingTextBoxFlag xmlns="" xmlns:ma14="http://schemas.microsoft.com/office/mac/drawingml/2011/main" val="1"/>
             </a:ext>
           </a:extLst>
         </p:spPr>
@@ -23492,7 +23489,7 @@
           </a:ln>
           <a:extLst>
             <a:ext uri="{C572A759-6A51-4108-AA02-DFA0A04FC94B}">
-              <ma14:wrappingTextBoxFlag xmlns:ma14="http://schemas.microsoft.com/office/mac/drawingml/2011/main" xmlns="" val="1"/>
+              <ma14:wrappingTextBoxFlag xmlns="" xmlns:ma14="http://schemas.microsoft.com/office/mac/drawingml/2011/main" val="1"/>
             </a:ext>
           </a:extLst>
         </p:spPr>
@@ -24193,7 +24190,7 @@
           </a:ln>
           <a:extLst>
             <a:ext uri="{C572A759-6A51-4108-AA02-DFA0A04FC94B}">
-              <ma14:wrappingTextBoxFlag xmlns:ma14="http://schemas.microsoft.com/office/mac/drawingml/2011/main" xmlns="" val="1"/>
+              <ma14:wrappingTextBoxFlag xmlns="" xmlns:ma14="http://schemas.microsoft.com/office/mac/drawingml/2011/main" val="1"/>
             </a:ext>
           </a:extLst>
         </p:spPr>
@@ -24241,7 +24238,7 @@
           </a:ln>
           <a:extLst>
             <a:ext uri="{C572A759-6A51-4108-AA02-DFA0A04FC94B}">
-              <ma14:wrappingTextBoxFlag xmlns:ma14="http://schemas.microsoft.com/office/mac/drawingml/2011/main" xmlns="" val="1"/>
+              <ma14:wrappingTextBoxFlag xmlns="" xmlns:ma14="http://schemas.microsoft.com/office/mac/drawingml/2011/main" val="1"/>
             </a:ext>
           </a:extLst>
         </p:spPr>
@@ -24814,7 +24811,7 @@
           </a:ln>
           <a:extLst>
             <a:ext uri="{C572A759-6A51-4108-AA02-DFA0A04FC94B}">
-              <ma14:wrappingTextBoxFlag xmlns:ma14="http://schemas.microsoft.com/office/mac/drawingml/2011/main" xmlns="" val="1"/>
+              <ma14:wrappingTextBoxFlag xmlns="" xmlns:ma14="http://schemas.microsoft.com/office/mac/drawingml/2011/main" val="1"/>
             </a:ext>
           </a:extLst>
         </p:spPr>
@@ -24904,7 +24901,7 @@
           </a:ln>
           <a:extLst>
             <a:ext uri="{C572A759-6A51-4108-AA02-DFA0A04FC94B}">
-              <ma14:wrappingTextBoxFlag xmlns:ma14="http://schemas.microsoft.com/office/mac/drawingml/2011/main" xmlns="" val="1"/>
+              <ma14:wrappingTextBoxFlag xmlns="" xmlns:ma14="http://schemas.microsoft.com/office/mac/drawingml/2011/main" val="1"/>
             </a:ext>
           </a:extLst>
         </p:spPr>
@@ -25849,7 +25846,7 @@
         <p15:prstTrans prst="pageCurlDouble"/>
       </p:transition>
     </mc:Choice>
-    <mc:Choice xmlns:p14="http://schemas.microsoft.com/office/powerpoint/2010/main" xmlns="" Requires="p14">
+    <mc:Choice xmlns="" xmlns:p14="http://schemas.microsoft.com/office/powerpoint/2010/main" Requires="p14">
       <p:transition spd="slow" advClick="0" advTm="4000" p14:dur="1200">
         <p14:prism dir="l"/>
       </p:transition>
@@ -26581,7 +26578,7 @@
           </a:ln>
           <a:extLst>
             <a:ext uri="{C572A759-6A51-4108-AA02-DFA0A04FC94B}">
-              <ma14:wrappingTextBoxFlag xmlns:ma14="http://schemas.microsoft.com/office/mac/drawingml/2011/main" xmlns="" val="1"/>
+              <ma14:wrappingTextBoxFlag xmlns="" xmlns:ma14="http://schemas.microsoft.com/office/mac/drawingml/2011/main" val="1"/>
             </a:ext>
           </a:extLst>
         </p:spPr>
@@ -26771,7 +26768,7 @@
           </a:ln>
           <a:extLst>
             <a:ext uri="{C572A759-6A51-4108-AA02-DFA0A04FC94B}">
-              <ma14:wrappingTextBoxFlag xmlns:ma14="http://schemas.microsoft.com/office/mac/drawingml/2011/main" xmlns="" val="1"/>
+              <ma14:wrappingTextBoxFlag xmlns="" xmlns:ma14="http://schemas.microsoft.com/office/mac/drawingml/2011/main" val="1"/>
             </a:ext>
           </a:extLst>
         </p:spPr>
@@ -28057,7 +28054,7 @@
           </a:ln>
           <a:extLst>
             <a:ext uri="{C572A759-6A51-4108-AA02-DFA0A04FC94B}">
-              <ma14:wrappingTextBoxFlag xmlns:ma14="http://schemas.microsoft.com/office/mac/drawingml/2011/main" xmlns="" val="1"/>
+              <ma14:wrappingTextBoxFlag xmlns="" xmlns:ma14="http://schemas.microsoft.com/office/mac/drawingml/2011/main" val="1"/>
             </a:ext>
           </a:extLst>
         </p:spPr>
